--- a/0_prerequisites/Welcome presentation.pptx
+++ b/0_prerequisites/Welcome presentation.pptx
@@ -5,20 +5,21 @@
     <p:sldMasterId id="2147483660" r:id="rId1"/>
   </p:sldMasterIdLst>
   <p:notesMasterIdLst>
-    <p:notesMasterId r:id="rId13"/>
+    <p:notesMasterId r:id="rId14"/>
   </p:notesMasterIdLst>
   <p:sldIdLst>
     <p:sldId id="256" r:id="rId2"/>
     <p:sldId id="257" r:id="rId3"/>
     <p:sldId id="258" r:id="rId4"/>
-    <p:sldId id="259" r:id="rId5"/>
-    <p:sldId id="260" r:id="rId6"/>
-    <p:sldId id="266" r:id="rId7"/>
-    <p:sldId id="261" r:id="rId8"/>
-    <p:sldId id="263" r:id="rId9"/>
-    <p:sldId id="264" r:id="rId10"/>
-    <p:sldId id="265" r:id="rId11"/>
-    <p:sldId id="262" r:id="rId12"/>
+    <p:sldId id="267" r:id="rId5"/>
+    <p:sldId id="259" r:id="rId6"/>
+    <p:sldId id="260" r:id="rId7"/>
+    <p:sldId id="266" r:id="rId8"/>
+    <p:sldId id="261" r:id="rId9"/>
+    <p:sldId id="263" r:id="rId10"/>
+    <p:sldId id="264" r:id="rId11"/>
+    <p:sldId id="265" r:id="rId12"/>
+    <p:sldId id="262" r:id="rId13"/>
   </p:sldIdLst>
   <p:sldSz cx="12192000" cy="6858000"/>
   <p:notesSz cx="6858000" cy="9144000"/>
@@ -3965,7 +3966,7 @@
           <a:p>
             <a:fld id="{B2056578-CB21-4252-8488-DB37C0575BF8}" type="datetimeFigureOut">
               <a:rPr lang="en-US" smtClean="0"/>
-              <a:t>1/16/2021</a:t>
+              <a:t>1/18/2021</a:t>
             </a:fld>
             <a:endParaRPr lang="en-US"/>
           </a:p>
@@ -4297,7 +4298,7 @@
           <a:p>
             <a:fld id="{3BDEEAC1-5C56-4BD2-A686-3C55CB2EBD40}" type="slidenum">
               <a:rPr lang="en-US" smtClean="0"/>
-              <a:t>7</a:t>
+              <a:t>8</a:t>
             </a:fld>
             <a:endParaRPr lang="en-US"/>
           </a:p>
@@ -5038,7 +5039,7 @@
           <a:p>
             <a:fld id="{CE486075-56FC-4DA2-A62C-D57677856B3B}" type="datetimeFigureOut">
               <a:rPr lang="en-US" smtClean="0"/>
-              <a:t>1/16/2021</a:t>
+              <a:t>1/18/2021</a:t>
             </a:fld>
             <a:endParaRPr lang="en-US"/>
           </a:p>
@@ -5289,7 +5290,7 @@
           <a:p>
             <a:fld id="{CE486075-56FC-4DA2-A62C-D57677856B3B}" type="datetimeFigureOut">
               <a:rPr lang="en-US" smtClean="0"/>
-              <a:t>1/16/2021</a:t>
+              <a:t>1/18/2021</a:t>
             </a:fld>
             <a:endParaRPr lang="en-US"/>
           </a:p>
@@ -5603,7 +5604,7 @@
           <a:p>
             <a:fld id="{CE486075-56FC-4DA2-A62C-D57677856B3B}" type="datetimeFigureOut">
               <a:rPr lang="en-US" smtClean="0"/>
-              <a:t>1/16/2021</a:t>
+              <a:t>1/18/2021</a:t>
             </a:fld>
             <a:endParaRPr lang="en-US"/>
           </a:p>
@@ -5944,7 +5945,7 @@
           <a:p>
             <a:fld id="{CE486075-56FC-4DA2-A62C-D57677856B3B}" type="datetimeFigureOut">
               <a:rPr lang="en-US" smtClean="0"/>
-              <a:t>1/16/2021</a:t>
+              <a:t>1/18/2021</a:t>
             </a:fld>
             <a:endParaRPr lang="en-US"/>
           </a:p>
@@ -6258,7 +6259,7 @@
           <a:p>
             <a:fld id="{CE486075-56FC-4DA2-A62C-D57677856B3B}" type="datetimeFigureOut">
               <a:rPr lang="en-US" smtClean="0"/>
-              <a:t>1/16/2021</a:t>
+              <a:t>1/18/2021</a:t>
             </a:fld>
             <a:endParaRPr lang="en-US"/>
           </a:p>
@@ -6651,7 +6652,7 @@
           <a:p>
             <a:fld id="{CE486075-56FC-4DA2-A62C-D57677856B3B}" type="datetimeFigureOut">
               <a:rPr lang="en-US" smtClean="0"/>
-              <a:t>1/16/2021</a:t>
+              <a:t>1/18/2021</a:t>
             </a:fld>
             <a:endParaRPr lang="en-US"/>
           </a:p>
@@ -6821,7 +6822,7 @@
           <a:p>
             <a:fld id="{CE486075-56FC-4DA2-A62C-D57677856B3B}" type="datetimeFigureOut">
               <a:rPr lang="en-US" smtClean="0"/>
-              <a:t>1/16/2021</a:t>
+              <a:t>1/18/2021</a:t>
             </a:fld>
             <a:endParaRPr lang="en-US"/>
           </a:p>
@@ -7001,7 +7002,7 @@
           <a:p>
             <a:fld id="{CE486075-56FC-4DA2-A62C-D57677856B3B}" type="datetimeFigureOut">
               <a:rPr lang="en-US" smtClean="0"/>
-              <a:t>1/16/2021</a:t>
+              <a:t>1/18/2021</a:t>
             </a:fld>
             <a:endParaRPr lang="en-US"/>
           </a:p>
@@ -7177,7 +7178,7 @@
           <a:p>
             <a:fld id="{CE486075-56FC-4DA2-A62C-D57677856B3B}" type="datetimeFigureOut">
               <a:rPr lang="en-US" smtClean="0"/>
-              <a:t>1/16/2021</a:t>
+              <a:t>1/18/2021</a:t>
             </a:fld>
             <a:endParaRPr lang="en-US"/>
           </a:p>
@@ -7424,7 +7425,7 @@
           <a:p>
             <a:fld id="{CE486075-56FC-4DA2-A62C-D57677856B3B}" type="datetimeFigureOut">
               <a:rPr lang="en-US" smtClean="0"/>
-              <a:t>1/16/2021</a:t>
+              <a:t>1/18/2021</a:t>
             </a:fld>
             <a:endParaRPr lang="en-US"/>
           </a:p>
@@ -7656,7 +7657,7 @@
           <a:p>
             <a:fld id="{CE486075-56FC-4DA2-A62C-D57677856B3B}" type="datetimeFigureOut">
               <a:rPr lang="en-US" smtClean="0"/>
-              <a:t>1/16/2021</a:t>
+              <a:t>1/18/2021</a:t>
             </a:fld>
             <a:endParaRPr lang="en-US"/>
           </a:p>
@@ -8030,7 +8031,7 @@
           <a:p>
             <a:fld id="{CE486075-56FC-4DA2-A62C-D57677856B3B}" type="datetimeFigureOut">
               <a:rPr lang="en-US" smtClean="0"/>
-              <a:t>1/16/2021</a:t>
+              <a:t>1/18/2021</a:t>
             </a:fld>
             <a:endParaRPr lang="en-US"/>
           </a:p>
@@ -8153,7 +8154,7 @@
           <a:p>
             <a:fld id="{CE486075-56FC-4DA2-A62C-D57677856B3B}" type="datetimeFigureOut">
               <a:rPr lang="en-US" smtClean="0"/>
-              <a:t>1/16/2021</a:t>
+              <a:t>1/18/2021</a:t>
             </a:fld>
             <a:endParaRPr lang="en-US"/>
           </a:p>
@@ -8248,7 +8249,7 @@
           <a:p>
             <a:fld id="{CE486075-56FC-4DA2-A62C-D57677856B3B}" type="datetimeFigureOut">
               <a:rPr lang="en-US" smtClean="0"/>
-              <a:t>1/16/2021</a:t>
+              <a:t>1/18/2021</a:t>
             </a:fld>
             <a:endParaRPr lang="en-US"/>
           </a:p>
@@ -8503,7 +8504,7 @@
           <a:p>
             <a:fld id="{CE486075-56FC-4DA2-A62C-D57677856B3B}" type="datetimeFigureOut">
               <a:rPr lang="en-US" smtClean="0"/>
-              <a:t>1/16/2021</a:t>
+              <a:t>1/18/2021</a:t>
             </a:fld>
             <a:endParaRPr lang="en-US"/>
           </a:p>
@@ -8766,7 +8767,7 @@
           <a:p>
             <a:fld id="{CE486075-56FC-4DA2-A62C-D57677856B3B}" type="datetimeFigureOut">
               <a:rPr lang="en-US" smtClean="0"/>
-              <a:t>1/16/2021</a:t>
+              <a:t>1/18/2021</a:t>
             </a:fld>
             <a:endParaRPr lang="en-US"/>
           </a:p>
@@ -9509,7 +9510,7 @@
           <a:p>
             <a:fld id="{CE486075-56FC-4DA2-A62C-D57677856B3B}" type="datetimeFigureOut">
               <a:rPr lang="en-US" smtClean="0"/>
-              <a:t>1/16/2021</a:t>
+              <a:t>1/18/2021</a:t>
             </a:fld>
             <a:endParaRPr lang="en-US"/>
           </a:p>
@@ -10124,6 +10125,216 @@
           <p:cNvPr id="2" name="Title 1">
             <a:extLst>
               <a:ext uri="{FF2B5EF4-FFF2-40B4-BE49-F238E27FC236}">
+                <a16:creationId xmlns:a16="http://schemas.microsoft.com/office/drawing/2014/main" id="{88E6040B-1C95-46C8-8AD6-8943DC162013}"/>
+              </a:ext>
+            </a:extLst>
+          </p:cNvPr>
+          <p:cNvSpPr>
+            <a:spLocks noGrp="1"/>
+          </p:cNvSpPr>
+          <p:nvPr>
+            <p:ph type="title"/>
+          </p:nvPr>
+        </p:nvSpPr>
+        <p:spPr>
+          <a:xfrm>
+            <a:off x="677334" y="609600"/>
+            <a:ext cx="8596668" cy="836645"/>
+          </a:xfrm>
+        </p:spPr>
+        <p:txBody>
+          <a:bodyPr/>
+          <a:lstStyle/>
+          <a:p>
+            <a:r>
+              <a:rPr lang="en-US" dirty="0"/>
+              <a:t>Course Discord server</a:t>
+            </a:r>
+          </a:p>
+        </p:txBody>
+      </p:sp>
+      <p:sp>
+        <p:nvSpPr>
+          <p:cNvPr id="3" name="Content Placeholder 2">
+            <a:extLst>
+              <a:ext uri="{FF2B5EF4-FFF2-40B4-BE49-F238E27FC236}">
+                <a16:creationId xmlns:a16="http://schemas.microsoft.com/office/drawing/2014/main" id="{7DDB8EC1-8D80-4EC6-9353-BF6AE4505F41}"/>
+              </a:ext>
+            </a:extLst>
+          </p:cNvPr>
+          <p:cNvSpPr>
+            <a:spLocks noGrp="1"/>
+          </p:cNvSpPr>
+          <p:nvPr>
+            <p:ph idx="1"/>
+          </p:nvPr>
+        </p:nvSpPr>
+        <p:spPr>
+          <a:xfrm>
+            <a:off x="677334" y="1446245"/>
+            <a:ext cx="8596668" cy="4595117"/>
+          </a:xfrm>
+        </p:spPr>
+        <p:txBody>
+          <a:bodyPr/>
+          <a:lstStyle/>
+          <a:p>
+            <a:r>
+              <a:rPr lang="en-US" dirty="0"/>
+              <a:t>Used for any type of communication: formal, informal, random, questions. </a:t>
+            </a:r>
+            <a:r>
+              <a:rPr lang="en-US" dirty="0">
+                <a:solidFill>
+                  <a:srgbClr val="000000"/>
+                </a:solidFill>
+                <a:latin typeface="Roboto"/>
+              </a:rPr>
+              <a:t>J</a:t>
+            </a:r>
+            <a:r>
+              <a:rPr lang="en-US" b="0" i="0" dirty="0">
+                <a:solidFill>
+                  <a:srgbClr val="000000"/>
+                </a:solidFill>
+                <a:effectLst/>
+                <a:latin typeface="Roboto"/>
+              </a:rPr>
+              <a:t>ust try to adhere to the elementary </a:t>
+            </a:r>
+            <a:r>
+              <a:rPr lang="en-US" b="1" i="0" dirty="0">
+                <a:solidFill>
+                  <a:srgbClr val="000000"/>
+                </a:solidFill>
+                <a:effectLst/>
+                <a:latin typeface="Roboto"/>
+              </a:rPr>
+              <a:t>rules of decency</a:t>
+            </a:r>
+            <a:r>
+              <a:rPr lang="en-US" b="0" i="0" dirty="0">
+                <a:solidFill>
+                  <a:srgbClr val="000000"/>
+                </a:solidFill>
+                <a:effectLst/>
+                <a:latin typeface="Roboto"/>
+              </a:rPr>
+              <a:t> and choose the </a:t>
+            </a:r>
+            <a:r>
+              <a:rPr lang="en-US" b="1" i="0" dirty="0">
+                <a:solidFill>
+                  <a:srgbClr val="000000"/>
+                </a:solidFill>
+                <a:effectLst/>
+                <a:latin typeface="Roboto"/>
+              </a:rPr>
+              <a:t>appropriate channel</a:t>
+            </a:r>
+            <a:r>
+              <a:rPr lang="ru-RU" dirty="0">
+                <a:solidFill>
+                  <a:srgbClr val="000000"/>
+                </a:solidFill>
+                <a:latin typeface="Roboto"/>
+              </a:rPr>
+              <a:t>.</a:t>
+            </a:r>
+            <a:endParaRPr lang="en-US" dirty="0"/>
+          </a:p>
+          <a:p>
+            <a:r>
+              <a:rPr lang="en-US" b="0" i="0" dirty="0">
+                <a:solidFill>
+                  <a:srgbClr val="000000"/>
+                </a:solidFill>
+                <a:effectLst/>
+                <a:latin typeface="Roboto"/>
+              </a:rPr>
+              <a:t>All the necessary information on the current module, assignments and deadlines is posted in </a:t>
+            </a:r>
+            <a:r>
+              <a:rPr lang="en-US" b="1" i="0" dirty="0">
+                <a:solidFill>
+                  <a:srgbClr val="000000"/>
+                </a:solidFill>
+                <a:effectLst/>
+                <a:latin typeface="Roboto"/>
+              </a:rPr>
+              <a:t>announcements-2021q1</a:t>
+            </a:r>
+          </a:p>
+          <a:p>
+            <a:endParaRPr lang="en-US" dirty="0"/>
+          </a:p>
+        </p:txBody>
+      </p:sp>
+      <p:pic>
+        <p:nvPicPr>
+          <p:cNvPr id="5" name="Picture 4">
+            <a:extLst>
+              <a:ext uri="{FF2B5EF4-FFF2-40B4-BE49-F238E27FC236}">
+                <a16:creationId xmlns:a16="http://schemas.microsoft.com/office/drawing/2014/main" id="{A829CE53-848B-4E29-96A2-53A79443BD5D}"/>
+              </a:ext>
+            </a:extLst>
+          </p:cNvPr>
+          <p:cNvPicPr>
+            <a:picLocks noChangeAspect="1"/>
+          </p:cNvPicPr>
+          <p:nvPr/>
+        </p:nvPicPr>
+        <p:blipFill>
+          <a:blip r:embed="rId2"/>
+          <a:stretch>
+            <a:fillRect/>
+          </a:stretch>
+        </p:blipFill>
+        <p:spPr>
+          <a:xfrm>
+            <a:off x="1632857" y="3107780"/>
+            <a:ext cx="6354147" cy="3356759"/>
+          </a:xfrm>
+          <a:prstGeom prst="rect">
+            <a:avLst/>
+          </a:prstGeom>
+        </p:spPr>
+      </p:pic>
+    </p:spTree>
+    <p:extLst>
+      <p:ext uri="{BB962C8B-B14F-4D97-AF65-F5344CB8AC3E}">
+        <p14:creationId xmlns:p14="http://schemas.microsoft.com/office/powerpoint/2010/main" val="2457701562"/>
+      </p:ext>
+    </p:extLst>
+  </p:cSld>
+  <p:clrMapOvr>
+    <a:masterClrMapping/>
+  </p:clrMapOvr>
+</p:sld>
+</file>
+
+<file path=ppt/slides/slide11.xml><?xml version="1.0" encoding="utf-8"?>
+<p:sld xmlns:a="http://schemas.openxmlformats.org/drawingml/2006/main" xmlns:r="http://schemas.openxmlformats.org/officeDocument/2006/relationships" xmlns:p="http://schemas.openxmlformats.org/presentationml/2006/main">
+  <p:cSld>
+    <p:spTree>
+      <p:nvGrpSpPr>
+        <p:cNvPr id="1" name=""/>
+        <p:cNvGrpSpPr/>
+        <p:nvPr/>
+      </p:nvGrpSpPr>
+      <p:grpSpPr>
+        <a:xfrm>
+          <a:off x="0" y="0"/>
+          <a:ext cx="0" cy="0"/>
+          <a:chOff x="0" y="0"/>
+          <a:chExt cx="0" cy="0"/>
+        </a:xfrm>
+      </p:grpSpPr>
+      <p:sp>
+        <p:nvSpPr>
+          <p:cNvPr id="2" name="Title 1">
+            <a:extLst>
+              <a:ext uri="{FF2B5EF4-FFF2-40B4-BE49-F238E27FC236}">
                 <a16:creationId xmlns:a16="http://schemas.microsoft.com/office/drawing/2014/main" id="{A88F2202-42C9-42AB-82D3-DFDCA8CFB928}"/>
               </a:ext>
             </a:extLst>
@@ -10234,7 +10445,7 @@
 </p:sld>
 </file>
 
-<file path=ppt/slides/slide11.xml><?xml version="1.0" encoding="utf-8"?>
+<file path=ppt/slides/slide12.xml><?xml version="1.0" encoding="utf-8"?>
 <p:sld xmlns:a="http://schemas.openxmlformats.org/drawingml/2006/main" xmlns:r="http://schemas.openxmlformats.org/officeDocument/2006/relationships" xmlns:p="http://schemas.openxmlformats.org/presentationml/2006/main">
   <p:cSld>
     <p:spTree>
@@ -10856,6 +11067,179 @@
           <p:cNvPr id="2" name="Title 1">
             <a:extLst>
               <a:ext uri="{FF2B5EF4-FFF2-40B4-BE49-F238E27FC236}">
+                <a16:creationId xmlns:a16="http://schemas.microsoft.com/office/drawing/2014/main" id="{029353B9-6610-448D-84A3-383218EA092B}"/>
+              </a:ext>
+            </a:extLst>
+          </p:cNvPr>
+          <p:cNvSpPr>
+            <a:spLocks noGrp="1"/>
+          </p:cNvSpPr>
+          <p:nvPr>
+            <p:ph type="title"/>
+          </p:nvPr>
+        </p:nvSpPr>
+        <p:spPr/>
+        <p:txBody>
+          <a:bodyPr>
+            <a:normAutofit/>
+          </a:bodyPr>
+          <a:lstStyle/>
+          <a:p>
+            <a:r>
+              <a:rPr lang="en-US" dirty="0"/>
+              <a:t>Gartner Hype cycle for Artificial Intelligence</a:t>
+            </a:r>
+          </a:p>
+        </p:txBody>
+      </p:sp>
+      <p:sp>
+        <p:nvSpPr>
+          <p:cNvPr id="3" name="Content Placeholder 2">
+            <a:extLst>
+              <a:ext uri="{FF2B5EF4-FFF2-40B4-BE49-F238E27FC236}">
+                <a16:creationId xmlns:a16="http://schemas.microsoft.com/office/drawing/2014/main" id="{EDA850DF-4446-40B8-98E3-59C9EE3D45AD}"/>
+              </a:ext>
+            </a:extLst>
+          </p:cNvPr>
+          <p:cNvSpPr>
+            <a:spLocks noGrp="1"/>
+          </p:cNvSpPr>
+          <p:nvPr>
+            <p:ph idx="1"/>
+          </p:nvPr>
+        </p:nvSpPr>
+        <p:spPr>
+          <a:xfrm>
+            <a:off x="677334" y="1847461"/>
+            <a:ext cx="2240664" cy="4193901"/>
+          </a:xfrm>
+        </p:spPr>
+        <p:txBody>
+          <a:bodyPr/>
+          <a:lstStyle/>
+          <a:p>
+            <a:r>
+              <a:rPr lang="en-US" b="0" i="0" dirty="0">
+                <a:effectLst/>
+                <a:latin typeface="Source Serif Pro"/>
+              </a:rPr>
+              <a:t>In 2012, </a:t>
+            </a:r>
+            <a:r>
+              <a:rPr lang="en-US" b="0" i="1" dirty="0">
+                <a:effectLst/>
+                <a:latin typeface="Georgia" panose="02040502050405020303" pitchFamily="18" charset="0"/>
+              </a:rPr>
+              <a:t>Harvard Business Review</a:t>
+            </a:r>
+            <a:r>
+              <a:rPr lang="en-US" b="0" i="0" dirty="0">
+                <a:effectLst/>
+                <a:latin typeface="Source Serif Pro"/>
+              </a:rPr>
+              <a:t> dubbed Data Scientist </a:t>
+            </a:r>
+            <a:r>
+              <a:rPr lang="en-US" b="1" i="0" u="none" strike="noStrike" dirty="0">
+                <a:effectLst/>
+                <a:latin typeface="Source Serif Pro"/>
+                <a:hlinkClick r:id="rId2"/>
+              </a:rPr>
+              <a:t>the sexiest job of the 21st Century</a:t>
+            </a:r>
+            <a:r>
+              <a:rPr lang="en-US" b="0" i="0" dirty="0">
+                <a:effectLst/>
+                <a:latin typeface="Source Serif Pro"/>
+              </a:rPr>
+              <a:t>.</a:t>
+            </a:r>
+            <a:endParaRPr lang="en-US" dirty="0"/>
+          </a:p>
+        </p:txBody>
+      </p:sp>
+      <p:pic>
+        <p:nvPicPr>
+          <p:cNvPr id="2052" name="Picture 4">
+            <a:extLst>
+              <a:ext uri="{FF2B5EF4-FFF2-40B4-BE49-F238E27FC236}">
+                <a16:creationId xmlns:a16="http://schemas.microsoft.com/office/drawing/2014/main" id="{70E3F8B9-C9CF-4A8C-B5B0-847B9026D3D1}"/>
+              </a:ext>
+            </a:extLst>
+          </p:cNvPr>
+          <p:cNvPicPr>
+            <a:picLocks noChangeAspect="1" noChangeArrowheads="1"/>
+          </p:cNvPicPr>
+          <p:nvPr/>
+        </p:nvPicPr>
+        <p:blipFill>
+          <a:blip r:embed="rId3">
+            <a:extLst>
+              <a:ext uri="{28A0092B-C50C-407E-A947-70E740481C1C}">
+                <a14:useLocalDpi xmlns:a14="http://schemas.microsoft.com/office/drawing/2010/main" val="0"/>
+              </a:ext>
+            </a:extLst>
+          </a:blip>
+          <a:srcRect/>
+          <a:stretch>
+            <a:fillRect/>
+          </a:stretch>
+        </p:blipFill>
+        <p:spPr bwMode="auto">
+          <a:xfrm>
+            <a:off x="3554544" y="1270000"/>
+            <a:ext cx="5719458" cy="5438710"/>
+          </a:xfrm>
+          <a:prstGeom prst="rect">
+            <a:avLst/>
+          </a:prstGeom>
+          <a:noFill/>
+          <a:extLst>
+            <a:ext uri="{909E8E84-426E-40DD-AFC4-6F175D3DCCD1}">
+              <a14:hiddenFill xmlns:a14="http://schemas.microsoft.com/office/drawing/2010/main">
+                <a:solidFill>
+                  <a:srgbClr val="FFFFFF"/>
+                </a:solidFill>
+              </a14:hiddenFill>
+            </a:ext>
+          </a:extLst>
+        </p:spPr>
+      </p:pic>
+    </p:spTree>
+    <p:extLst>
+      <p:ext uri="{BB962C8B-B14F-4D97-AF65-F5344CB8AC3E}">
+        <p14:creationId xmlns:p14="http://schemas.microsoft.com/office/powerpoint/2010/main" val="185633900"/>
+      </p:ext>
+    </p:extLst>
+  </p:cSld>
+  <p:clrMapOvr>
+    <a:masterClrMapping/>
+  </p:clrMapOvr>
+</p:sld>
+</file>
+
+<file path=ppt/slides/slide5.xml><?xml version="1.0" encoding="utf-8"?>
+<p:sld xmlns:a="http://schemas.openxmlformats.org/drawingml/2006/main" xmlns:r="http://schemas.openxmlformats.org/officeDocument/2006/relationships" xmlns:p="http://schemas.openxmlformats.org/presentationml/2006/main">
+  <p:cSld>
+    <p:spTree>
+      <p:nvGrpSpPr>
+        <p:cNvPr id="1" name=""/>
+        <p:cNvGrpSpPr/>
+        <p:nvPr/>
+      </p:nvGrpSpPr>
+      <p:grpSpPr>
+        <a:xfrm>
+          <a:off x="0" y="0"/>
+          <a:ext cx="0" cy="0"/>
+          <a:chOff x="0" y="0"/>
+          <a:chExt cx="0" cy="0"/>
+        </a:xfrm>
+      </p:grpSpPr>
+      <p:sp>
+        <p:nvSpPr>
+          <p:cNvPr id="2" name="Title 1">
+            <a:extLst>
+              <a:ext uri="{FF2B5EF4-FFF2-40B4-BE49-F238E27FC236}">
                 <a16:creationId xmlns:a16="http://schemas.microsoft.com/office/drawing/2014/main" id="{6589F261-84E6-470E-AF89-61DAF0A725AC}"/>
               </a:ext>
             </a:extLst>
@@ -11250,7 +11634,7 @@
           <a:p>
             <a:r>
               <a:rPr lang="en-US" dirty="0"/>
-              <a:t>Stock market prediction</a:t>
+              <a:t>Car price prediction</a:t>
             </a:r>
           </a:p>
           <a:p>
@@ -11310,53 +11694,6 @@
       </p:pic>
       <p:pic>
         <p:nvPicPr>
-          <p:cNvPr id="1032" name="Picture 8" descr="Predict Stock Market Trends | Universal Market Predictor Index">
-            <a:extLst>
-              <a:ext uri="{FF2B5EF4-FFF2-40B4-BE49-F238E27FC236}">
-                <a16:creationId xmlns:a16="http://schemas.microsoft.com/office/drawing/2014/main" id="{86364BE9-1448-402B-8EF7-1E48787E86CD}"/>
-              </a:ext>
-            </a:extLst>
-          </p:cNvPr>
-          <p:cNvPicPr>
-            <a:picLocks noChangeAspect="1" noChangeArrowheads="1"/>
-          </p:cNvPicPr>
-          <p:nvPr/>
-        </p:nvPicPr>
-        <p:blipFill>
-          <a:blip r:embed="rId3">
-            <a:extLst>
-              <a:ext uri="{28A0092B-C50C-407E-A947-70E740481C1C}">
-                <a14:useLocalDpi xmlns:a14="http://schemas.microsoft.com/office/drawing/2010/main" val="0"/>
-              </a:ext>
-            </a:extLst>
-          </a:blip>
-          <a:srcRect/>
-          <a:stretch>
-            <a:fillRect/>
-          </a:stretch>
-        </p:blipFill>
-        <p:spPr bwMode="auto">
-          <a:xfrm flipH="1">
-            <a:off x="5621002" y="5029322"/>
-            <a:ext cx="4425714" cy="1320799"/>
-          </a:xfrm>
-          <a:prstGeom prst="rect">
-            <a:avLst/>
-          </a:prstGeom>
-          <a:noFill/>
-          <a:extLst>
-            <a:ext uri="{909E8E84-426E-40DD-AFC4-6F175D3DCCD1}">
-              <a14:hiddenFill xmlns:a14="http://schemas.microsoft.com/office/drawing/2010/main">
-                <a:solidFill>
-                  <a:srgbClr val="FFFFFF"/>
-                </a:solidFill>
-              </a14:hiddenFill>
-            </a:ext>
-          </a:extLst>
-        </p:spPr>
-      </p:pic>
-      <p:pic>
-        <p:nvPicPr>
           <p:cNvPr id="2050" name="Picture 2" descr="Amazon Alexa — Википедия">
             <a:extLst>
               <a:ext uri="{FF2B5EF4-FFF2-40B4-BE49-F238E27FC236}">
@@ -11370,7 +11707,7 @@
           <p:nvPr/>
         </p:nvPicPr>
         <p:blipFill>
-          <a:blip r:embed="rId4">
+          <a:blip r:embed="rId3">
             <a:extLst>
               <a:ext uri="{28A0092B-C50C-407E-A947-70E740481C1C}">
                 <a14:useLocalDpi xmlns:a14="http://schemas.microsoft.com/office/drawing/2010/main" val="0"/>
@@ -11417,7 +11754,7 @@
           <p:nvPr/>
         </p:nvPicPr>
         <p:blipFill>
-          <a:blip r:embed="rId5">
+          <a:blip r:embed="rId4">
             <a:extLst>
               <a:ext uri="{28A0092B-C50C-407E-A947-70E740481C1C}">
                 <a14:useLocalDpi xmlns:a14="http://schemas.microsoft.com/office/drawing/2010/main" val="0"/>
@@ -11449,6 +11786,53 @@
           </a:extLst>
         </p:spPr>
       </p:pic>
+      <p:pic>
+        <p:nvPicPr>
+          <p:cNvPr id="1026" name="Picture 2" descr="Price Prediction in Online Car Marketplaces using NLP">
+            <a:extLst>
+              <a:ext uri="{FF2B5EF4-FFF2-40B4-BE49-F238E27FC236}">
+                <a16:creationId xmlns:a16="http://schemas.microsoft.com/office/drawing/2014/main" id="{8E3A12A4-4857-48D5-9EC8-CF2127A2A2A4}"/>
+              </a:ext>
+            </a:extLst>
+          </p:cNvPr>
+          <p:cNvPicPr>
+            <a:picLocks noChangeAspect="1" noChangeArrowheads="1"/>
+          </p:cNvPicPr>
+          <p:nvPr/>
+        </p:nvPicPr>
+        <p:blipFill>
+          <a:blip r:embed="rId5">
+            <a:extLst>
+              <a:ext uri="{28A0092B-C50C-407E-A947-70E740481C1C}">
+                <a14:useLocalDpi xmlns:a14="http://schemas.microsoft.com/office/drawing/2010/main" val="0"/>
+              </a:ext>
+            </a:extLst>
+          </a:blip>
+          <a:srcRect/>
+          <a:stretch>
+            <a:fillRect/>
+          </a:stretch>
+        </p:blipFill>
+        <p:spPr bwMode="auto">
+          <a:xfrm>
+            <a:off x="5531103" y="4927601"/>
+            <a:ext cx="3237720" cy="1821218"/>
+          </a:xfrm>
+          <a:prstGeom prst="rect">
+            <a:avLst/>
+          </a:prstGeom>
+          <a:noFill/>
+          <a:extLst>
+            <a:ext uri="{909E8E84-426E-40DD-AFC4-6F175D3DCCD1}">
+              <a14:hiddenFill xmlns:a14="http://schemas.microsoft.com/office/drawing/2010/main">
+                <a:solidFill>
+                  <a:srgbClr val="FFFFFF"/>
+                </a:solidFill>
+              </a14:hiddenFill>
+            </a:ext>
+          </a:extLst>
+        </p:spPr>
+      </p:pic>
     </p:spTree>
     <p:extLst>
       <p:ext uri="{BB962C8B-B14F-4D97-AF65-F5344CB8AC3E}">
@@ -11462,7 +11846,7 @@
 </p:sld>
 </file>
 
-<file path=ppt/slides/slide5.xml><?xml version="1.0" encoding="utf-8"?>
+<file path=ppt/slides/slide6.xml><?xml version="1.0" encoding="utf-8"?>
 <p:sld xmlns:a="http://schemas.openxmlformats.org/drawingml/2006/main" xmlns:r="http://schemas.openxmlformats.org/officeDocument/2006/relationships" xmlns:p="http://schemas.openxmlformats.org/presentationml/2006/main">
   <p:cSld>
     <p:spTree>
@@ -11535,7 +11919,7 @@
           <a:p>
             <a:r>
               <a:rPr lang="en-US" dirty="0"/>
-              <a:t>Shaping the concept of what machine learning is</a:t>
+              <a:t>Shape the concept of what machine learning is</a:t>
             </a:r>
           </a:p>
           <a:p>
@@ -11555,7 +11939,7 @@
             </a:r>
             <a:r>
               <a:rPr lang="en-US" dirty="0"/>
-              <a:t>for solving the final capstone project</a:t>
+              <a:t>for applying ML to real-world problems and use it in practice (including Capstone project)</a:t>
             </a:r>
           </a:p>
           <a:p>
@@ -11626,7 +12010,7 @@
 </p:sld>
 </file>
 
-<file path=ppt/slides/slide6.xml><?xml version="1.0" encoding="utf-8"?>
+<file path=ppt/slides/slide7.xml><?xml version="1.0" encoding="utf-8"?>
 <p:sld xmlns:a="http://schemas.openxmlformats.org/drawingml/2006/main" xmlns:r="http://schemas.openxmlformats.org/officeDocument/2006/relationships" xmlns:p="http://schemas.openxmlformats.org/presentationml/2006/main">
   <p:cSld>
     <p:spTree>
@@ -11731,13 +12115,8 @@
           <a:p>
             <a:r>
               <a:rPr lang="en-US" dirty="0"/>
-              <a:t>Theory of probability and statistics (random variable, variance, expected value, </a:t>
-            </a:r>
-            <a:r>
-              <a:rPr lang="en-US"/>
-              <a:t>correlation).</a:t>
-            </a:r>
-            <a:endParaRPr lang="en-US" dirty="0"/>
+              <a:t>Probability theory and statistics (random variable, variance, expected value, correlation).</a:t>
+            </a:r>
           </a:p>
         </p:txBody>
       </p:sp>
@@ -11754,7 +12133,7 @@
 </p:sld>
 </file>
 
-<file path=ppt/slides/slide7.xml><?xml version="1.0" encoding="utf-8"?>
+<file path=ppt/slides/slide8.xml><?xml version="1.0" encoding="utf-8"?>
 <p:sld xmlns:a="http://schemas.openxmlformats.org/drawingml/2006/main" xmlns:r="http://schemas.openxmlformats.org/officeDocument/2006/relationships" xmlns:p="http://schemas.openxmlformats.org/presentationml/2006/main">
   <p:cSld>
     <p:spTree>
@@ -12017,7 +12396,7 @@
 </p:sld>
 </file>
 
-<file path=ppt/slides/slide8.xml><?xml version="1.0" encoding="utf-8"?>
+<file path=ppt/slides/slide9.xml><?xml version="1.0" encoding="utf-8"?>
 <p:sld xmlns:a="http://schemas.openxmlformats.org/drawingml/2006/main" xmlns:r="http://schemas.openxmlformats.org/officeDocument/2006/relationships" xmlns:p="http://schemas.openxmlformats.org/presentationml/2006/main">
   <p:cSld>
     <p:spTree>
@@ -12159,216 +12538,6 @@
     <p:extLst>
       <p:ext uri="{BB962C8B-B14F-4D97-AF65-F5344CB8AC3E}">
         <p14:creationId xmlns:p14="http://schemas.microsoft.com/office/powerpoint/2010/main" val="2422620799"/>
-      </p:ext>
-    </p:extLst>
-  </p:cSld>
-  <p:clrMapOvr>
-    <a:masterClrMapping/>
-  </p:clrMapOvr>
-</p:sld>
-</file>
-
-<file path=ppt/slides/slide9.xml><?xml version="1.0" encoding="utf-8"?>
-<p:sld xmlns:a="http://schemas.openxmlformats.org/drawingml/2006/main" xmlns:r="http://schemas.openxmlformats.org/officeDocument/2006/relationships" xmlns:p="http://schemas.openxmlformats.org/presentationml/2006/main">
-  <p:cSld>
-    <p:spTree>
-      <p:nvGrpSpPr>
-        <p:cNvPr id="1" name=""/>
-        <p:cNvGrpSpPr/>
-        <p:nvPr/>
-      </p:nvGrpSpPr>
-      <p:grpSpPr>
-        <a:xfrm>
-          <a:off x="0" y="0"/>
-          <a:ext cx="0" cy="0"/>
-          <a:chOff x="0" y="0"/>
-          <a:chExt cx="0" cy="0"/>
-        </a:xfrm>
-      </p:grpSpPr>
-      <p:sp>
-        <p:nvSpPr>
-          <p:cNvPr id="2" name="Title 1">
-            <a:extLst>
-              <a:ext uri="{FF2B5EF4-FFF2-40B4-BE49-F238E27FC236}">
-                <a16:creationId xmlns:a16="http://schemas.microsoft.com/office/drawing/2014/main" id="{88E6040B-1C95-46C8-8AD6-8943DC162013}"/>
-              </a:ext>
-            </a:extLst>
-          </p:cNvPr>
-          <p:cNvSpPr>
-            <a:spLocks noGrp="1"/>
-          </p:cNvSpPr>
-          <p:nvPr>
-            <p:ph type="title"/>
-          </p:nvPr>
-        </p:nvSpPr>
-        <p:spPr>
-          <a:xfrm>
-            <a:off x="677334" y="609600"/>
-            <a:ext cx="8596668" cy="836645"/>
-          </a:xfrm>
-        </p:spPr>
-        <p:txBody>
-          <a:bodyPr/>
-          <a:lstStyle/>
-          <a:p>
-            <a:r>
-              <a:rPr lang="en-US" dirty="0"/>
-              <a:t>Course Discord server</a:t>
-            </a:r>
-          </a:p>
-        </p:txBody>
-      </p:sp>
-      <p:sp>
-        <p:nvSpPr>
-          <p:cNvPr id="3" name="Content Placeholder 2">
-            <a:extLst>
-              <a:ext uri="{FF2B5EF4-FFF2-40B4-BE49-F238E27FC236}">
-                <a16:creationId xmlns:a16="http://schemas.microsoft.com/office/drawing/2014/main" id="{7DDB8EC1-8D80-4EC6-9353-BF6AE4505F41}"/>
-              </a:ext>
-            </a:extLst>
-          </p:cNvPr>
-          <p:cNvSpPr>
-            <a:spLocks noGrp="1"/>
-          </p:cNvSpPr>
-          <p:nvPr>
-            <p:ph idx="1"/>
-          </p:nvPr>
-        </p:nvSpPr>
-        <p:spPr>
-          <a:xfrm>
-            <a:off x="677334" y="1446245"/>
-            <a:ext cx="8596668" cy="4595117"/>
-          </a:xfrm>
-        </p:spPr>
-        <p:txBody>
-          <a:bodyPr/>
-          <a:lstStyle/>
-          <a:p>
-            <a:r>
-              <a:rPr lang="en-US" dirty="0"/>
-              <a:t>Used for any type of communication: formal, informal, random, questions. </a:t>
-            </a:r>
-            <a:r>
-              <a:rPr lang="en-US" dirty="0">
-                <a:solidFill>
-                  <a:srgbClr val="000000"/>
-                </a:solidFill>
-                <a:latin typeface="Roboto"/>
-              </a:rPr>
-              <a:t>J</a:t>
-            </a:r>
-            <a:r>
-              <a:rPr lang="en-US" b="0" i="0" dirty="0">
-                <a:solidFill>
-                  <a:srgbClr val="000000"/>
-                </a:solidFill>
-                <a:effectLst/>
-                <a:latin typeface="Roboto"/>
-              </a:rPr>
-              <a:t>ust try to adhere to the elementary </a:t>
-            </a:r>
-            <a:r>
-              <a:rPr lang="en-US" b="1" i="0" dirty="0">
-                <a:solidFill>
-                  <a:srgbClr val="000000"/>
-                </a:solidFill>
-                <a:effectLst/>
-                <a:latin typeface="Roboto"/>
-              </a:rPr>
-              <a:t>rules of decency</a:t>
-            </a:r>
-            <a:r>
-              <a:rPr lang="en-US" b="0" i="0" dirty="0">
-                <a:solidFill>
-                  <a:srgbClr val="000000"/>
-                </a:solidFill>
-                <a:effectLst/>
-                <a:latin typeface="Roboto"/>
-              </a:rPr>
-              <a:t> and choose the </a:t>
-            </a:r>
-            <a:r>
-              <a:rPr lang="en-US" b="1" i="0" dirty="0">
-                <a:solidFill>
-                  <a:srgbClr val="000000"/>
-                </a:solidFill>
-                <a:effectLst/>
-                <a:latin typeface="Roboto"/>
-              </a:rPr>
-              <a:t>appropriate channel</a:t>
-            </a:r>
-            <a:r>
-              <a:rPr lang="ru-RU" dirty="0">
-                <a:solidFill>
-                  <a:srgbClr val="000000"/>
-                </a:solidFill>
-                <a:latin typeface="Roboto"/>
-              </a:rPr>
-              <a:t>.</a:t>
-            </a:r>
-            <a:endParaRPr lang="en-US" dirty="0"/>
-          </a:p>
-          <a:p>
-            <a:r>
-              <a:rPr lang="en-US" b="0" i="0" dirty="0">
-                <a:solidFill>
-                  <a:srgbClr val="000000"/>
-                </a:solidFill>
-                <a:effectLst/>
-                <a:latin typeface="Roboto"/>
-              </a:rPr>
-              <a:t>All the necessary information on the current module, assignments and deadlines is posted in </a:t>
-            </a:r>
-            <a:r>
-              <a:rPr lang="en-US" b="1" i="0" dirty="0">
-                <a:solidFill>
-                  <a:srgbClr val="000000"/>
-                </a:solidFill>
-                <a:effectLst/>
-                <a:latin typeface="Roboto"/>
-              </a:rPr>
-              <a:t>announcements-2021q1</a:t>
-            </a:r>
-          </a:p>
-          <a:p>
-            <a:endParaRPr lang="en-US" dirty="0"/>
-          </a:p>
-        </p:txBody>
-      </p:sp>
-      <p:pic>
-        <p:nvPicPr>
-          <p:cNvPr id="5" name="Picture 4">
-            <a:extLst>
-              <a:ext uri="{FF2B5EF4-FFF2-40B4-BE49-F238E27FC236}">
-                <a16:creationId xmlns:a16="http://schemas.microsoft.com/office/drawing/2014/main" id="{A829CE53-848B-4E29-96A2-53A79443BD5D}"/>
-              </a:ext>
-            </a:extLst>
-          </p:cNvPr>
-          <p:cNvPicPr>
-            <a:picLocks noChangeAspect="1"/>
-          </p:cNvPicPr>
-          <p:nvPr/>
-        </p:nvPicPr>
-        <p:blipFill>
-          <a:blip r:embed="rId2"/>
-          <a:stretch>
-            <a:fillRect/>
-          </a:stretch>
-        </p:blipFill>
-        <p:spPr>
-          <a:xfrm>
-            <a:off x="1632857" y="3107780"/>
-            <a:ext cx="6354147" cy="3356759"/>
-          </a:xfrm>
-          <a:prstGeom prst="rect">
-            <a:avLst/>
-          </a:prstGeom>
-        </p:spPr>
-      </p:pic>
-    </p:spTree>
-    <p:extLst>
-      <p:ext uri="{BB962C8B-B14F-4D97-AF65-F5344CB8AC3E}">
-        <p14:creationId xmlns:p14="http://schemas.microsoft.com/office/powerpoint/2010/main" val="2457701562"/>
       </p:ext>
     </p:extLst>
   </p:cSld>
